--- a/Daily Agendas/Day13.4_WindowsFileSystem.pptx
+++ b/Daily Agendas/Day13.4_WindowsFileSystem.pptx
@@ -6,6 +6,9 @@
   </p:sldMasterIdLst>
   <p:sldIdLst>
     <p:sldId id="257" r:id="rId2"/>
+    <p:sldId id="259" r:id="rId3"/>
+    <p:sldId id="258" r:id="rId4"/>
+    <p:sldId id="260" r:id="rId5"/>
   </p:sldIdLst>
   <p:sldSz cx="9144000" cy="6858000" type="screen4x3"/>
   <p:notesSz cx="6858000" cy="9144000"/>
@@ -303,7 +306,7 @@
             <a:fld id="{1D8BD707-D9CF-40AE-B4C6-C98DA3205C09}" type="datetimeFigureOut">
               <a:rPr lang="en-US" smtClean="0"/>
               <a:pPr/>
-              <a:t>11/28/2018</a:t>
+              <a:t>11/29/2018</a:t>
             </a:fld>
             <a:endParaRPr lang="en-US"/>
           </a:p>
@@ -468,7 +471,7 @@
             <a:fld id="{1D8BD707-D9CF-40AE-B4C6-C98DA3205C09}" type="datetimeFigureOut">
               <a:rPr lang="en-US" smtClean="0"/>
               <a:pPr/>
-              <a:t>11/28/2018</a:t>
+              <a:t>11/29/2018</a:t>
             </a:fld>
             <a:endParaRPr lang="en-US"/>
           </a:p>
@@ -643,7 +646,7 @@
             <a:fld id="{1D8BD707-D9CF-40AE-B4C6-C98DA3205C09}" type="datetimeFigureOut">
               <a:rPr lang="en-US" smtClean="0"/>
               <a:pPr/>
-              <a:t>11/28/2018</a:t>
+              <a:t>11/29/2018</a:t>
             </a:fld>
             <a:endParaRPr lang="en-US"/>
           </a:p>
@@ -808,7 +811,7 @@
             <a:fld id="{1D8BD707-D9CF-40AE-B4C6-C98DA3205C09}" type="datetimeFigureOut">
               <a:rPr lang="en-US" smtClean="0"/>
               <a:pPr/>
-              <a:t>11/28/2018</a:t>
+              <a:t>11/29/2018</a:t>
             </a:fld>
             <a:endParaRPr lang="en-US"/>
           </a:p>
@@ -1050,7 +1053,7 @@
             <a:fld id="{1D8BD707-D9CF-40AE-B4C6-C98DA3205C09}" type="datetimeFigureOut">
               <a:rPr lang="en-US" smtClean="0"/>
               <a:pPr/>
-              <a:t>11/28/2018</a:t>
+              <a:t>11/29/2018</a:t>
             </a:fld>
             <a:endParaRPr lang="en-US"/>
           </a:p>
@@ -1332,7 +1335,7 @@
             <a:fld id="{1D8BD707-D9CF-40AE-B4C6-C98DA3205C09}" type="datetimeFigureOut">
               <a:rPr lang="en-US" smtClean="0"/>
               <a:pPr/>
-              <a:t>11/28/2018</a:t>
+              <a:t>11/29/2018</a:t>
             </a:fld>
             <a:endParaRPr lang="en-US"/>
           </a:p>
@@ -1748,7 +1751,7 @@
             <a:fld id="{1D8BD707-D9CF-40AE-B4C6-C98DA3205C09}" type="datetimeFigureOut">
               <a:rPr lang="en-US" smtClean="0"/>
               <a:pPr/>
-              <a:t>11/28/2018</a:t>
+              <a:t>11/29/2018</a:t>
             </a:fld>
             <a:endParaRPr lang="en-US"/>
           </a:p>
@@ -1862,7 +1865,7 @@
             <a:fld id="{1D8BD707-D9CF-40AE-B4C6-C98DA3205C09}" type="datetimeFigureOut">
               <a:rPr lang="en-US" smtClean="0"/>
               <a:pPr/>
-              <a:t>11/28/2018</a:t>
+              <a:t>11/29/2018</a:t>
             </a:fld>
             <a:endParaRPr lang="en-US"/>
           </a:p>
@@ -1954,7 +1957,7 @@
             <a:fld id="{1D8BD707-D9CF-40AE-B4C6-C98DA3205C09}" type="datetimeFigureOut">
               <a:rPr lang="en-US" smtClean="0"/>
               <a:pPr/>
-              <a:t>11/28/2018</a:t>
+              <a:t>11/29/2018</a:t>
             </a:fld>
             <a:endParaRPr lang="en-US"/>
           </a:p>
@@ -2226,7 +2229,7 @@
             <a:fld id="{1D8BD707-D9CF-40AE-B4C6-C98DA3205C09}" type="datetimeFigureOut">
               <a:rPr lang="en-US" smtClean="0"/>
               <a:pPr/>
-              <a:t>11/28/2018</a:t>
+              <a:t>11/29/2018</a:t>
             </a:fld>
             <a:endParaRPr lang="en-US"/>
           </a:p>
@@ -2475,7 +2478,7 @@
             <a:fld id="{1D8BD707-D9CF-40AE-B4C6-C98DA3205C09}" type="datetimeFigureOut">
               <a:rPr lang="en-US" smtClean="0"/>
               <a:pPr/>
-              <a:t>11/28/2018</a:t>
+              <a:t>11/29/2018</a:t>
             </a:fld>
             <a:endParaRPr lang="en-US"/>
           </a:p>
@@ -2683,7 +2686,7 @@
             <a:fld id="{1D8BD707-D9CF-40AE-B4C6-C98DA3205C09}" type="datetimeFigureOut">
               <a:rPr lang="en-US" smtClean="0"/>
               <a:pPr/>
-              <a:t>11/28/2018</a:t>
+              <a:t>11/29/2018</a:t>
             </a:fld>
             <a:endParaRPr lang="en-US"/>
           </a:p>
@@ -3073,7 +3076,15 @@
           <a:p>
             <a:r>
               <a:rPr lang="en-US" dirty="0"/>
-              <a:t>Windows File System – Nov 28</a:t>
+              <a:t>Windows File System – </a:t>
+            </a:r>
+            <a:r>
+              <a:rPr lang="en-US"/>
+              <a:t>Nov </a:t>
+            </a:r>
+            <a:r>
+              <a:rPr lang="en-US" smtClean="0"/>
+              <a:t>29</a:t>
             </a:r>
             <a:endParaRPr lang="en-US" sz="3600" dirty="0"/>
           </a:p>
@@ -3112,14 +3123,14 @@
           <a:p>
             <a:pPr lvl="2"/>
             <a:r>
-              <a:rPr lang="en-CA" dirty="0"/>
+              <a:rPr lang="en-CA" sz="2800" dirty="0"/>
               <a:t>Presentation / Debrief</a:t>
             </a:r>
           </a:p>
           <a:p>
             <a:pPr lvl="2"/>
             <a:r>
-              <a:rPr lang="en-CA" dirty="0"/>
+              <a:rPr lang="en-CA" sz="2800" dirty="0"/>
               <a:t>Start Level 1 Today </a:t>
             </a:r>
           </a:p>
@@ -3133,28 +3144,28 @@
           <a:p>
             <a:pPr lvl="2"/>
             <a:r>
-              <a:rPr lang="en-CA" dirty="0"/>
+              <a:rPr lang="en-CA" sz="2100" dirty="0"/>
               <a:t>Mod B.5 Python File Access</a:t>
             </a:r>
           </a:p>
           <a:p>
             <a:pPr lvl="2"/>
             <a:r>
-              <a:rPr lang="en-CA" dirty="0"/>
+              <a:rPr lang="en-CA" sz="2100" dirty="0"/>
               <a:t>Mod A.4 Binary Numbers (DUE)</a:t>
             </a:r>
           </a:p>
           <a:p>
             <a:pPr lvl="2"/>
             <a:r>
-              <a:rPr lang="en-CA" dirty="0"/>
+              <a:rPr lang="en-CA" sz="2100" dirty="0"/>
               <a:t>Case C.5 SIM Swap Fraud (DUE)</a:t>
             </a:r>
           </a:p>
           <a:p>
             <a:pPr lvl="2"/>
             <a:r>
-              <a:rPr lang="en-CA" dirty="0"/>
+              <a:rPr lang="en-CA" sz="2100" dirty="0"/>
               <a:t>Mod A.3 OS Concept Map (DUE)</a:t>
             </a:r>
           </a:p>
@@ -3183,6 +3194,168 @@
         </p:txBody>
       </p:sp>
     </p:spTree>
+  </p:cSld>
+  <p:clrMapOvr>
+    <a:masterClrMapping/>
+  </p:clrMapOvr>
+</p:sld>
+</file>
+
+<file path=ppt/slides/slide2.xml><?xml version="1.0" encoding="utf-8"?>
+<p:sld xmlns:a="http://schemas.openxmlformats.org/drawingml/2006/main" xmlns:r="http://schemas.openxmlformats.org/officeDocument/2006/relationships" xmlns:p="http://schemas.openxmlformats.org/presentationml/2006/main">
+  <p:cSld>
+    <p:spTree>
+      <p:nvGrpSpPr>
+        <p:cNvPr id="1" name=""/>
+        <p:cNvGrpSpPr/>
+        <p:nvPr/>
+      </p:nvGrpSpPr>
+      <p:grpSpPr>
+        <a:xfrm>
+          <a:off x="0" y="0"/>
+          <a:ext cx="0" cy="0"/>
+          <a:chOff x="0" y="0"/>
+          <a:chExt cx="0" cy="0"/>
+        </a:xfrm>
+      </p:grpSpPr>
+      <p:pic>
+        <p:nvPicPr>
+          <p:cNvPr id="4" name="Picture 3"/>
+          <p:cNvPicPr>
+            <a:picLocks noChangeAspect="1"/>
+          </p:cNvPicPr>
+          <p:nvPr/>
+        </p:nvPicPr>
+        <p:blipFill>
+          <a:blip r:embed="rId2"/>
+          <a:stretch>
+            <a:fillRect/>
+          </a:stretch>
+        </p:blipFill>
+        <p:spPr>
+          <a:xfrm>
+            <a:off x="228600" y="304800"/>
+            <a:ext cx="8305800" cy="6253778"/>
+          </a:xfrm>
+          <a:prstGeom prst="rect">
+            <a:avLst/>
+          </a:prstGeom>
+        </p:spPr>
+      </p:pic>
+    </p:spTree>
+    <p:extLst>
+      <p:ext uri="{BB962C8B-B14F-4D97-AF65-F5344CB8AC3E}">
+        <p14:creationId xmlns:p14="http://schemas.microsoft.com/office/powerpoint/2010/main" val="1629094720"/>
+      </p:ext>
+    </p:extLst>
+  </p:cSld>
+  <p:clrMapOvr>
+    <a:masterClrMapping/>
+  </p:clrMapOvr>
+</p:sld>
+</file>
+
+<file path=ppt/slides/slide3.xml><?xml version="1.0" encoding="utf-8"?>
+<p:sld xmlns:a="http://schemas.openxmlformats.org/drawingml/2006/main" xmlns:r="http://schemas.openxmlformats.org/officeDocument/2006/relationships" xmlns:p="http://schemas.openxmlformats.org/presentationml/2006/main">
+  <p:cSld>
+    <p:spTree>
+      <p:nvGrpSpPr>
+        <p:cNvPr id="1" name=""/>
+        <p:cNvGrpSpPr/>
+        <p:nvPr/>
+      </p:nvGrpSpPr>
+      <p:grpSpPr>
+        <a:xfrm>
+          <a:off x="0" y="0"/>
+          <a:ext cx="0" cy="0"/>
+          <a:chOff x="0" y="0"/>
+          <a:chExt cx="0" cy="0"/>
+        </a:xfrm>
+      </p:grpSpPr>
+      <p:pic>
+        <p:nvPicPr>
+          <p:cNvPr id="6" name="Picture 5"/>
+          <p:cNvPicPr>
+            <a:picLocks noChangeAspect="1"/>
+          </p:cNvPicPr>
+          <p:nvPr/>
+        </p:nvPicPr>
+        <p:blipFill>
+          <a:blip r:embed="rId2"/>
+          <a:stretch>
+            <a:fillRect/>
+          </a:stretch>
+        </p:blipFill>
+        <p:spPr>
+          <a:xfrm>
+            <a:off x="457200" y="457200"/>
+            <a:ext cx="8001000" cy="6024283"/>
+          </a:xfrm>
+          <a:prstGeom prst="rect">
+            <a:avLst/>
+          </a:prstGeom>
+        </p:spPr>
+      </p:pic>
+    </p:spTree>
+    <p:extLst>
+      <p:ext uri="{BB962C8B-B14F-4D97-AF65-F5344CB8AC3E}">
+        <p14:creationId xmlns:p14="http://schemas.microsoft.com/office/powerpoint/2010/main" val="2243632060"/>
+      </p:ext>
+    </p:extLst>
+  </p:cSld>
+  <p:clrMapOvr>
+    <a:masterClrMapping/>
+  </p:clrMapOvr>
+</p:sld>
+</file>
+
+<file path=ppt/slides/slide4.xml><?xml version="1.0" encoding="utf-8"?>
+<p:sld xmlns:a="http://schemas.openxmlformats.org/drawingml/2006/main" xmlns:r="http://schemas.openxmlformats.org/officeDocument/2006/relationships" xmlns:p="http://schemas.openxmlformats.org/presentationml/2006/main">
+  <p:cSld>
+    <p:spTree>
+      <p:nvGrpSpPr>
+        <p:cNvPr id="1" name=""/>
+        <p:cNvGrpSpPr/>
+        <p:nvPr/>
+      </p:nvGrpSpPr>
+      <p:grpSpPr>
+        <a:xfrm>
+          <a:off x="0" y="0"/>
+          <a:ext cx="0" cy="0"/>
+          <a:chOff x="0" y="0"/>
+          <a:chExt cx="0" cy="0"/>
+        </a:xfrm>
+      </p:grpSpPr>
+      <p:pic>
+        <p:nvPicPr>
+          <p:cNvPr id="2" name="Picture 1"/>
+          <p:cNvPicPr>
+            <a:picLocks noChangeAspect="1"/>
+          </p:cNvPicPr>
+          <p:nvPr/>
+        </p:nvPicPr>
+        <p:blipFill>
+          <a:blip r:embed="rId2"/>
+          <a:stretch>
+            <a:fillRect/>
+          </a:stretch>
+        </p:blipFill>
+        <p:spPr>
+          <a:xfrm>
+            <a:off x="2133600" y="310543"/>
+            <a:ext cx="4724400" cy="6042009"/>
+          </a:xfrm>
+          <a:prstGeom prst="rect">
+            <a:avLst/>
+          </a:prstGeom>
+        </p:spPr>
+      </p:pic>
+    </p:spTree>
+    <p:extLst>
+      <p:ext uri="{BB962C8B-B14F-4D97-AF65-F5344CB8AC3E}">
+        <p14:creationId xmlns:p14="http://schemas.microsoft.com/office/powerpoint/2010/main" val="875079884"/>
+      </p:ext>
+    </p:extLst>
   </p:cSld>
   <p:clrMapOvr>
     <a:masterClrMapping/>
